--- a/TeXFiles/Figs/FigSpaghetti.pptx
+++ b/TeXFiles/Figs/FigSpaghetti.pptx
@@ -288,7 +288,7 @@
           <a:p>
             <a:fld id="{968D63B1-CAD2-4739-8FC5-501D0C90E3C3}" type="datetimeFigureOut">
               <a:rPr lang="en-GB" smtClean="0"/>
-              <a:t>19/08/2015</a:t>
+              <a:t>20/08/2015</a:t>
             </a:fld>
             <a:endParaRPr lang="en-GB"/>
           </a:p>
@@ -458,7 +458,7 @@
           <a:p>
             <a:fld id="{968D63B1-CAD2-4739-8FC5-501D0C90E3C3}" type="datetimeFigureOut">
               <a:rPr lang="en-GB" smtClean="0"/>
-              <a:t>19/08/2015</a:t>
+              <a:t>20/08/2015</a:t>
             </a:fld>
             <a:endParaRPr lang="en-GB"/>
           </a:p>
@@ -638,7 +638,7 @@
           <a:p>
             <a:fld id="{968D63B1-CAD2-4739-8FC5-501D0C90E3C3}" type="datetimeFigureOut">
               <a:rPr lang="en-GB" smtClean="0"/>
-              <a:t>19/08/2015</a:t>
+              <a:t>20/08/2015</a:t>
             </a:fld>
             <a:endParaRPr lang="en-GB"/>
           </a:p>
@@ -808,7 +808,7 @@
           <a:p>
             <a:fld id="{968D63B1-CAD2-4739-8FC5-501D0C90E3C3}" type="datetimeFigureOut">
               <a:rPr lang="en-GB" smtClean="0"/>
-              <a:t>19/08/2015</a:t>
+              <a:t>20/08/2015</a:t>
             </a:fld>
             <a:endParaRPr lang="en-GB"/>
           </a:p>
@@ -1054,7 +1054,7 @@
           <a:p>
             <a:fld id="{968D63B1-CAD2-4739-8FC5-501D0C90E3C3}" type="datetimeFigureOut">
               <a:rPr lang="en-GB" smtClean="0"/>
-              <a:t>19/08/2015</a:t>
+              <a:t>20/08/2015</a:t>
             </a:fld>
             <a:endParaRPr lang="en-GB"/>
           </a:p>
@@ -1342,7 +1342,7 @@
           <a:p>
             <a:fld id="{968D63B1-CAD2-4739-8FC5-501D0C90E3C3}" type="datetimeFigureOut">
               <a:rPr lang="en-GB" smtClean="0"/>
-              <a:t>19/08/2015</a:t>
+              <a:t>20/08/2015</a:t>
             </a:fld>
             <a:endParaRPr lang="en-GB"/>
           </a:p>
@@ -1764,7 +1764,7 @@
           <a:p>
             <a:fld id="{968D63B1-CAD2-4739-8FC5-501D0C90E3C3}" type="datetimeFigureOut">
               <a:rPr lang="en-GB" smtClean="0"/>
-              <a:t>19/08/2015</a:t>
+              <a:t>20/08/2015</a:t>
             </a:fld>
             <a:endParaRPr lang="en-GB"/>
           </a:p>
@@ -1882,7 +1882,7 @@
           <a:p>
             <a:fld id="{968D63B1-CAD2-4739-8FC5-501D0C90E3C3}" type="datetimeFigureOut">
               <a:rPr lang="en-GB" smtClean="0"/>
-              <a:t>19/08/2015</a:t>
+              <a:t>20/08/2015</a:t>
             </a:fld>
             <a:endParaRPr lang="en-GB"/>
           </a:p>
@@ -1977,7 +1977,7 @@
           <a:p>
             <a:fld id="{968D63B1-CAD2-4739-8FC5-501D0C90E3C3}" type="datetimeFigureOut">
               <a:rPr lang="en-GB" smtClean="0"/>
-              <a:t>19/08/2015</a:t>
+              <a:t>20/08/2015</a:t>
             </a:fld>
             <a:endParaRPr lang="en-GB"/>
           </a:p>
@@ -2254,7 +2254,7 @@
           <a:p>
             <a:fld id="{968D63B1-CAD2-4739-8FC5-501D0C90E3C3}" type="datetimeFigureOut">
               <a:rPr lang="en-GB" smtClean="0"/>
-              <a:t>19/08/2015</a:t>
+              <a:t>20/08/2015</a:t>
             </a:fld>
             <a:endParaRPr lang="en-GB"/>
           </a:p>
@@ -2507,7 +2507,7 @@
           <a:p>
             <a:fld id="{968D63B1-CAD2-4739-8FC5-501D0C90E3C3}" type="datetimeFigureOut">
               <a:rPr lang="en-GB" smtClean="0"/>
-              <a:t>19/08/2015</a:t>
+              <a:t>20/08/2015</a:t>
             </a:fld>
             <a:endParaRPr lang="en-GB"/>
           </a:p>
@@ -2720,7 +2720,7 @@
           <a:p>
             <a:fld id="{968D63B1-CAD2-4739-8FC5-501D0C90E3C3}" type="datetimeFigureOut">
               <a:rPr lang="en-GB" smtClean="0"/>
-              <a:t>19/08/2015</a:t>
+              <a:t>20/08/2015</a:t>
             </a:fld>
             <a:endParaRPr lang="en-GB"/>
           </a:p>
@@ -3097,7 +3097,7 @@
       </p:grpSpPr>
       <p:pic>
         <p:nvPicPr>
-          <p:cNvPr id="4" name="Picture 3"/>
+          <p:cNvPr id="2" name="Picture 1"/>
           <p:cNvPicPr>
             <a:picLocks noChangeAspect="1"/>
           </p:cNvPicPr>
@@ -3117,8 +3117,8 @@
         </p:blipFill>
         <p:spPr>
           <a:xfrm>
-            <a:off x="611560" y="1484784"/>
-            <a:ext cx="7772320" cy="4865472"/>
+            <a:off x="720171" y="1054497"/>
+            <a:ext cx="8388423" cy="5251153"/>
           </a:xfrm>
           <a:prstGeom prst="rect">
             <a:avLst/>
@@ -3133,7 +3133,7 @@
         </p:nvSpPr>
         <p:spPr>
           <a:xfrm>
-            <a:off x="4649060" y="152636"/>
+            <a:off x="4649060" y="32115"/>
             <a:ext cx="4176464" cy="2664296"/>
           </a:xfrm>
           <a:prstGeom prst="rect">
@@ -3238,14 +3238,14 @@
       </p:sp>
       <p:pic>
         <p:nvPicPr>
-          <p:cNvPr id="9" name="Picture 8"/>
+          <p:cNvPr id="3" name="Picture 2"/>
           <p:cNvPicPr>
             <a:picLocks noChangeAspect="1"/>
           </p:cNvPicPr>
           <p:nvPr/>
         </p:nvPicPr>
         <p:blipFill>
-          <a:blip r:embed="rId3" cstate="print">
+          <a:blip r:embed="rId3">
             <a:extLst>
               <a:ext uri="{28A0092B-C50C-407E-A947-70E740481C1C}">
                 <a14:useLocalDpi xmlns:a14="http://schemas.microsoft.com/office/drawing/2010/main" val="0"/>
@@ -3258,8 +3258,8 @@
         </p:blipFill>
         <p:spPr>
           <a:xfrm>
-            <a:off x="4667316" y="230930"/>
-            <a:ext cx="4139952" cy="2612310"/>
+            <a:off x="4528352" y="64103"/>
+            <a:ext cx="4297172" cy="2711516"/>
           </a:xfrm>
           <a:prstGeom prst="rect">
             <a:avLst/>
